--- a/Proyecto fin de Curso (Grupal)/Etapa4_Pruebas(Guia_de_Estilo).pptx
+++ b/Proyecto fin de Curso (Grupal)/Etapa4_Pruebas(Guia_de_Estilo).pptx
@@ -462,7 +462,7 @@
           <a:p>
             <a:fld id="{3EAF201C-6E0F-4A8A-8F00-B27244D148A4}" type="datetimeFigureOut">
               <a:rPr lang="es-PE" smtClean="0"/>
-              <a:t>29/07/2020</a:t>
+              <a:t>05/08/2020</a:t>
             </a:fld>
             <a:endParaRPr lang="es-PE"/>
           </a:p>
@@ -560,7 +560,7 @@
           <a:p>
             <a:fld id="{D01C7273-2FBA-41E8-B715-EAA5E9A7A336}" type="slidenum">
               <a:rPr lang="es-PE" smtClean="0"/>
-              <a:t>‹#›</a:t>
+              <a:t>‹Nº›</a:t>
             </a:fld>
             <a:endParaRPr lang="es-PE"/>
           </a:p>
@@ -1550,7 +1550,7 @@
           <a:p>
             <a:fld id="{3EAF201C-6E0F-4A8A-8F00-B27244D148A4}" type="datetimeFigureOut">
               <a:rPr lang="es-PE" smtClean="0"/>
-              <a:t>29/07/2020</a:t>
+              <a:t>05/08/2020</a:t>
             </a:fld>
             <a:endParaRPr lang="es-PE"/>
           </a:p>
@@ -1628,7 +1628,7 @@
           <a:p>
             <a:fld id="{D01C7273-2FBA-41E8-B715-EAA5E9A7A336}" type="slidenum">
               <a:rPr lang="es-PE" smtClean="0"/>
-              <a:t>‹#›</a:t>
+              <a:t>‹Nº›</a:t>
             </a:fld>
             <a:endParaRPr lang="es-PE"/>
           </a:p>
@@ -2530,7 +2530,7 @@
           <a:p>
             <a:fld id="{3EAF201C-6E0F-4A8A-8F00-B27244D148A4}" type="datetimeFigureOut">
               <a:rPr lang="es-PE" smtClean="0"/>
-              <a:t>29/07/2020</a:t>
+              <a:t>05/08/2020</a:t>
             </a:fld>
             <a:endParaRPr lang="es-PE"/>
           </a:p>
@@ -2608,7 +2608,7 @@
           <a:p>
             <a:fld id="{D01C7273-2FBA-41E8-B715-EAA5E9A7A336}" type="slidenum">
               <a:rPr lang="es-PE" smtClean="0"/>
-              <a:t>‹#›</a:t>
+              <a:t>‹Nº›</a:t>
             </a:fld>
             <a:endParaRPr lang="es-PE"/>
           </a:p>
@@ -3664,7 +3664,7 @@
           <a:p>
             <a:fld id="{3EAF201C-6E0F-4A8A-8F00-B27244D148A4}" type="datetimeFigureOut">
               <a:rPr lang="es-PE" smtClean="0"/>
-              <a:t>29/07/2020</a:t>
+              <a:t>05/08/2020</a:t>
             </a:fld>
             <a:endParaRPr lang="es-PE"/>
           </a:p>
@@ -3742,7 +3742,7 @@
           <a:p>
             <a:fld id="{D01C7273-2FBA-41E8-B715-EAA5E9A7A336}" type="slidenum">
               <a:rPr lang="es-PE" smtClean="0"/>
-              <a:t>‹#›</a:t>
+              <a:t>‹Nº›</a:t>
             </a:fld>
             <a:endParaRPr lang="es-PE"/>
           </a:p>
@@ -4697,7 +4697,7 @@
           <a:p>
             <a:fld id="{3EAF201C-6E0F-4A8A-8F00-B27244D148A4}" type="datetimeFigureOut">
               <a:rPr lang="es-PE" smtClean="0"/>
-              <a:t>29/07/2020</a:t>
+              <a:t>05/08/2020</a:t>
             </a:fld>
             <a:endParaRPr lang="es-PE"/>
           </a:p>
@@ -4775,7 +4775,7 @@
           <a:p>
             <a:fld id="{D01C7273-2FBA-41E8-B715-EAA5E9A7A336}" type="slidenum">
               <a:rPr lang="es-PE" smtClean="0"/>
-              <a:t>‹#›</a:t>
+              <a:t>‹Nº›</a:t>
             </a:fld>
             <a:endParaRPr lang="es-PE"/>
           </a:p>
@@ -5357,7 +5357,7 @@
           <a:p>
             <a:fld id="{3EAF201C-6E0F-4A8A-8F00-B27244D148A4}" type="datetimeFigureOut">
               <a:rPr lang="es-PE" smtClean="0"/>
-              <a:t>29/07/2020</a:t>
+              <a:t>05/08/2020</a:t>
             </a:fld>
             <a:endParaRPr lang="es-PE"/>
           </a:p>
@@ -5399,7 +5399,7 @@
           <a:p>
             <a:fld id="{D01C7273-2FBA-41E8-B715-EAA5E9A7A336}" type="slidenum">
               <a:rPr lang="es-PE" smtClean="0"/>
-              <a:t>‹#›</a:t>
+              <a:t>‹Nº›</a:t>
             </a:fld>
             <a:endParaRPr lang="es-PE"/>
           </a:p>
@@ -6218,7 +6218,7 @@
           <a:p>
             <a:fld id="{3EAF201C-6E0F-4A8A-8F00-B27244D148A4}" type="datetimeFigureOut">
               <a:rPr lang="es-PE" smtClean="0"/>
-              <a:t>29/07/2020</a:t>
+              <a:t>05/08/2020</a:t>
             </a:fld>
             <a:endParaRPr lang="es-PE"/>
           </a:p>
@@ -6265,7 +6265,7 @@
           <a:p>
             <a:fld id="{D01C7273-2FBA-41E8-B715-EAA5E9A7A336}" type="slidenum">
               <a:rPr lang="es-PE" smtClean="0"/>
-              <a:t>‹#›</a:t>
+              <a:t>‹Nº›</a:t>
             </a:fld>
             <a:endParaRPr lang="es-PE"/>
           </a:p>
@@ -6408,7 +6408,7 @@
           <a:p>
             <a:fld id="{3EAF201C-6E0F-4A8A-8F00-B27244D148A4}" type="datetimeFigureOut">
               <a:rPr lang="es-PE" smtClean="0"/>
-              <a:t>29/07/2020</a:t>
+              <a:t>05/08/2020</a:t>
             </a:fld>
             <a:endParaRPr lang="es-PE"/>
           </a:p>
@@ -6450,7 +6450,7 @@
           <a:p>
             <a:fld id="{D01C7273-2FBA-41E8-B715-EAA5E9A7A336}" type="slidenum">
               <a:rPr lang="es-PE" smtClean="0"/>
-              <a:t>‹#›</a:t>
+              <a:t>‹Nº›</a:t>
             </a:fld>
             <a:endParaRPr lang="es-PE"/>
           </a:p>
@@ -7380,7 +7380,7 @@
           <a:p>
             <a:fld id="{3EAF201C-6E0F-4A8A-8F00-B27244D148A4}" type="datetimeFigureOut">
               <a:rPr lang="es-PE" smtClean="0"/>
-              <a:t>29/07/2020</a:t>
+              <a:t>05/08/2020</a:t>
             </a:fld>
             <a:endParaRPr lang="es-PE"/>
           </a:p>
@@ -7458,7 +7458,7 @@
           <a:p>
             <a:fld id="{D01C7273-2FBA-41E8-B715-EAA5E9A7A336}" type="slidenum">
               <a:rPr lang="es-PE" smtClean="0"/>
-              <a:t>‹#›</a:t>
+              <a:t>‹Nº›</a:t>
             </a:fld>
             <a:endParaRPr lang="es-PE"/>
           </a:p>
@@ -7591,7 +7591,7 @@
           <a:p>
             <a:fld id="{3EAF201C-6E0F-4A8A-8F00-B27244D148A4}" type="datetimeFigureOut">
               <a:rPr lang="es-PE" smtClean="0"/>
-              <a:t>29/07/2020</a:t>
+              <a:t>05/08/2020</a:t>
             </a:fld>
             <a:endParaRPr lang="es-PE"/>
           </a:p>
@@ -7633,7 +7633,7 @@
           <a:p>
             <a:fld id="{D01C7273-2FBA-41E8-B715-EAA5E9A7A336}" type="slidenum">
               <a:rPr lang="es-PE" smtClean="0"/>
-              <a:t>‹#›</a:t>
+              <a:t>‹Nº›</a:t>
             </a:fld>
             <a:endParaRPr lang="es-PE"/>
           </a:p>
@@ -8625,7 +8625,7 @@
           <a:p>
             <a:fld id="{3EAF201C-6E0F-4A8A-8F00-B27244D148A4}" type="datetimeFigureOut">
               <a:rPr lang="es-PE" smtClean="0"/>
-              <a:t>29/07/2020</a:t>
+              <a:t>05/08/2020</a:t>
             </a:fld>
             <a:endParaRPr lang="es-PE"/>
           </a:p>
@@ -8703,7 +8703,7 @@
           <a:p>
             <a:fld id="{D01C7273-2FBA-41E8-B715-EAA5E9A7A336}" type="slidenum">
               <a:rPr lang="es-PE" smtClean="0"/>
-              <a:t>‹#›</a:t>
+              <a:t>‹Nº›</a:t>
             </a:fld>
             <a:endParaRPr lang="es-PE"/>
           </a:p>
@@ -8897,7 +8897,7 @@
           <a:p>
             <a:fld id="{3EAF201C-6E0F-4A8A-8F00-B27244D148A4}" type="datetimeFigureOut">
               <a:rPr lang="es-PE" smtClean="0"/>
-              <a:t>29/07/2020</a:t>
+              <a:t>05/08/2020</a:t>
             </a:fld>
             <a:endParaRPr lang="es-PE"/>
           </a:p>
@@ -8939,7 +8939,7 @@
           <a:p>
             <a:fld id="{D01C7273-2FBA-41E8-B715-EAA5E9A7A336}" type="slidenum">
               <a:rPr lang="es-PE" smtClean="0"/>
-              <a:t>‹#›</a:t>
+              <a:t>‹Nº›</a:t>
             </a:fld>
             <a:endParaRPr lang="es-PE"/>
           </a:p>
@@ -9307,7 +9307,7 @@
           <a:p>
             <a:fld id="{3EAF201C-6E0F-4A8A-8F00-B27244D148A4}" type="datetimeFigureOut">
               <a:rPr lang="es-PE" smtClean="0"/>
-              <a:t>29/07/2020</a:t>
+              <a:t>05/08/2020</a:t>
             </a:fld>
             <a:endParaRPr lang="es-PE"/>
           </a:p>
@@ -9349,7 +9349,7 @@
           <a:p>
             <a:fld id="{D01C7273-2FBA-41E8-B715-EAA5E9A7A336}" type="slidenum">
               <a:rPr lang="es-PE" smtClean="0"/>
-              <a:t>‹#›</a:t>
+              <a:t>‹Nº›</a:t>
             </a:fld>
             <a:endParaRPr lang="es-PE"/>
           </a:p>
@@ -9434,7 +9434,7 @@
           <a:p>
             <a:fld id="{3EAF201C-6E0F-4A8A-8F00-B27244D148A4}" type="datetimeFigureOut">
               <a:rPr lang="es-PE" smtClean="0"/>
-              <a:t>29/07/2020</a:t>
+              <a:t>05/08/2020</a:t>
             </a:fld>
             <a:endParaRPr lang="es-PE"/>
           </a:p>
@@ -9476,7 +9476,7 @@
           <a:p>
             <a:fld id="{D01C7273-2FBA-41E8-B715-EAA5E9A7A336}" type="slidenum">
               <a:rPr lang="es-PE" smtClean="0"/>
-              <a:t>‹#›</a:t>
+              <a:t>‹Nº›</a:t>
             </a:fld>
             <a:endParaRPr lang="es-PE"/>
           </a:p>
@@ -9529,7 +9529,7 @@
           <a:p>
             <a:fld id="{3EAF201C-6E0F-4A8A-8F00-B27244D148A4}" type="datetimeFigureOut">
               <a:rPr lang="es-PE" smtClean="0"/>
-              <a:t>29/07/2020</a:t>
+              <a:t>05/08/2020</a:t>
             </a:fld>
             <a:endParaRPr lang="es-PE"/>
           </a:p>
@@ -9607,7 +9607,7 @@
           <a:p>
             <a:fld id="{D01C7273-2FBA-41E8-B715-EAA5E9A7A336}" type="slidenum">
               <a:rPr lang="es-PE" smtClean="0"/>
-              <a:t>‹#›</a:t>
+              <a:t>‹Nº›</a:t>
             </a:fld>
             <a:endParaRPr lang="es-PE"/>
           </a:p>
@@ -10610,7 +10610,7 @@
           <a:p>
             <a:fld id="{3EAF201C-6E0F-4A8A-8F00-B27244D148A4}" type="datetimeFigureOut">
               <a:rPr lang="es-PE" smtClean="0"/>
-              <a:t>29/07/2020</a:t>
+              <a:t>05/08/2020</a:t>
             </a:fld>
             <a:endParaRPr lang="es-PE"/>
           </a:p>
@@ -10688,7 +10688,7 @@
           <a:p>
             <a:fld id="{D01C7273-2FBA-41E8-B715-EAA5E9A7A336}" type="slidenum">
               <a:rPr lang="es-PE" smtClean="0"/>
-              <a:t>‹#›</a:t>
+              <a:t>‹Nº›</a:t>
             </a:fld>
             <a:endParaRPr lang="es-PE"/>
           </a:p>
@@ -11718,7 +11718,7 @@
           <a:p>
             <a:fld id="{3EAF201C-6E0F-4A8A-8F00-B27244D148A4}" type="datetimeFigureOut">
               <a:rPr lang="es-PE" smtClean="0"/>
-              <a:t>29/07/2020</a:t>
+              <a:t>05/08/2020</a:t>
             </a:fld>
             <a:endParaRPr lang="es-PE"/>
           </a:p>
@@ -11796,7 +11796,7 @@
           <a:p>
             <a:fld id="{D01C7273-2FBA-41E8-B715-EAA5E9A7A336}" type="slidenum">
               <a:rPr lang="es-PE" smtClean="0"/>
-              <a:t>‹#›</a:t>
+              <a:t>‹Nº›</a:t>
             </a:fld>
             <a:endParaRPr lang="es-PE"/>
           </a:p>
@@ -12715,7 +12715,7 @@
           <a:p>
             <a:fld id="{3EAF201C-6E0F-4A8A-8F00-B27244D148A4}" type="datetimeFigureOut">
               <a:rPr lang="es-PE" smtClean="0"/>
-              <a:t>29/07/2020</a:t>
+              <a:t>05/08/2020</a:t>
             </a:fld>
             <a:endParaRPr lang="es-PE"/>
           </a:p>
@@ -12825,7 +12825,7 @@
           <a:p>
             <a:fld id="{D01C7273-2FBA-41E8-B715-EAA5E9A7A336}" type="slidenum">
               <a:rPr lang="es-PE" smtClean="0"/>
-              <a:t>‹#›</a:t>
+              <a:t>‹Nº›</a:t>
             </a:fld>
             <a:endParaRPr lang="es-PE"/>
           </a:p>
@@ -13287,10 +13287,10 @@
           <p:cNvPr id="10" name="Rectangle 9">
             <a:extLst>
               <a:ext uri="{FF2B5EF4-FFF2-40B4-BE49-F238E27FC236}">
-                <a16:creationId xmlns:a16="http://schemas.microsoft.com/office/drawing/2014/main" id="{643780CE-2BE5-46F6-97B2-60DF30217ED3}"/>
+                <a16:creationId xmlns:a16="http://schemas.microsoft.com/office/drawing/2014/main" xmlns="" id="{643780CE-2BE5-46F6-97B2-60DF30217ED3}"/>
               </a:ext>
               <a:ext uri="{C183D7F6-B498-43B3-948B-1728B52AA6E4}">
-                <adec:decorative xmlns:adec="http://schemas.microsoft.com/office/drawing/2017/decorative" val="1"/>
+                <adec:decorative xmlns:adec="http://schemas.microsoft.com/office/drawing/2017/decorative" xmlns="" val="1"/>
               </a:ext>
             </a:extLst>
           </p:cNvPr>
@@ -13300,7 +13300,7 @@
           <p:nvPr>
             <p:extLst>
               <p:ext uri="{386F3935-93C4-4BCD-93E2-E3B085C9AB24}">
-                <p16:designElem xmlns:p16="http://schemas.microsoft.com/office/powerpoint/2015/main" val="1"/>
+                <p16:designElem xmlns:p16="http://schemas.microsoft.com/office/powerpoint/2015/main" xmlns="" val="1"/>
               </p:ext>
             </p:extLst>
           </p:nvPr>
@@ -13339,10 +13339,10 @@
           <p:cNvPr id="12" name="Freeform: Shape 11">
             <a:extLst>
               <a:ext uri="{FF2B5EF4-FFF2-40B4-BE49-F238E27FC236}">
-                <a16:creationId xmlns:a16="http://schemas.microsoft.com/office/drawing/2014/main" id="{61A87A49-68E6-459E-A5A6-46229FF42125}"/>
+                <a16:creationId xmlns:a16="http://schemas.microsoft.com/office/drawing/2014/main" xmlns="" id="{61A87A49-68E6-459E-A5A6-46229FF42125}"/>
               </a:ext>
               <a:ext uri="{C183D7F6-B498-43B3-948B-1728B52AA6E4}">
-                <adec:decorative xmlns:adec="http://schemas.microsoft.com/office/drawing/2017/decorative" val="1"/>
+                <adec:decorative xmlns:adec="http://schemas.microsoft.com/office/drawing/2017/decorative" xmlns="" val="1"/>
               </a:ext>
             </a:extLst>
           </p:cNvPr>
@@ -13352,7 +13352,7 @@
           <p:nvPr>
             <p:extLst>
               <p:ext uri="{386F3935-93C4-4BCD-93E2-E3B085C9AB24}">
-                <p16:designElem xmlns:p16="http://schemas.microsoft.com/office/powerpoint/2015/main" val="1"/>
+                <p16:designElem xmlns:p16="http://schemas.microsoft.com/office/powerpoint/2015/main" xmlns="" val="1"/>
               </p:ext>
             </p:extLst>
           </p:nvPr>
@@ -13805,10 +13805,10 @@
           <p:cNvPr id="14" name="Freeform 5">
             <a:extLst>
               <a:ext uri="{FF2B5EF4-FFF2-40B4-BE49-F238E27FC236}">
-                <a16:creationId xmlns:a16="http://schemas.microsoft.com/office/drawing/2014/main" id="{F6ACD5FC-CAFE-48EB-B765-60EED2E052F0}"/>
+                <a16:creationId xmlns:a16="http://schemas.microsoft.com/office/drawing/2014/main" xmlns="" id="{F6ACD5FC-CAFE-48EB-B765-60EED2E052F0}"/>
               </a:ext>
               <a:ext uri="{C183D7F6-B498-43B3-948B-1728B52AA6E4}">
-                <adec:decorative xmlns:adec="http://schemas.microsoft.com/office/drawing/2017/decorative" val="1"/>
+                <adec:decorative xmlns:adec="http://schemas.microsoft.com/office/drawing/2017/decorative" xmlns="" val="1"/>
               </a:ext>
             </a:extLst>
           </p:cNvPr>
@@ -13818,7 +13818,7 @@
           <p:nvPr>
             <p:extLst>
               <p:ext uri="{386F3935-93C4-4BCD-93E2-E3B085C9AB24}">
-                <p16:designElem xmlns:p16="http://schemas.microsoft.com/office/powerpoint/2015/main" val="1"/>
+                <p16:designElem xmlns:p16="http://schemas.microsoft.com/office/powerpoint/2015/main" xmlns="" val="1"/>
               </p:ext>
             </p:extLst>
           </p:nvPr>
@@ -13884,7 +13884,7 @@
           <p:cNvPr id="5" name="TextBox 4">
             <a:extLst>
               <a:ext uri="{FF2B5EF4-FFF2-40B4-BE49-F238E27FC236}">
-                <a16:creationId xmlns:a16="http://schemas.microsoft.com/office/drawing/2014/main" id="{DC08779D-3E59-4BE1-AA5F-EDC9E1AA356F}"/>
+                <a16:creationId xmlns:a16="http://schemas.microsoft.com/office/drawing/2014/main" xmlns="" id="{DC08779D-3E59-4BE1-AA5F-EDC9E1AA356F}"/>
               </a:ext>
             </a:extLst>
           </p:cNvPr>
@@ -14003,50 +14003,15 @@
           </a:p>
         </p:txBody>
       </p:sp>
-      <p:pic>
-        <p:nvPicPr>
-          <p:cNvPr id="4" name="Picture 3" descr="A close up of a logo&#10;&#10;Description automatically generated">
-            <a:extLst>
-              <a:ext uri="{FF2B5EF4-FFF2-40B4-BE49-F238E27FC236}">
-                <a16:creationId xmlns:a16="http://schemas.microsoft.com/office/drawing/2014/main" id="{A444389F-6EE6-4950-8304-8BBED8E07A88}"/>
-              </a:ext>
-            </a:extLst>
-          </p:cNvPr>
-          <p:cNvPicPr>
-            <a:picLocks noChangeAspect="1"/>
-          </p:cNvPicPr>
-          <p:nvPr/>
-        </p:nvPicPr>
-        <p:blipFill rotWithShape="1">
-          <a:blip r:embed="rId2">
-            <a:extLst>
-              <a:ext uri="{28A0092B-C50C-407E-A947-70E740481C1C}">
-                <a14:useLocalDpi xmlns:a14="http://schemas.microsoft.com/office/drawing/2010/main" val="0"/>
-              </a:ext>
-            </a:extLst>
-          </a:blip>
-          <a:srcRect t="9091" r="19192"/>
-          <a:stretch/>
-        </p:blipFill>
-        <p:spPr>
-          <a:xfrm>
-            <a:off x="5194607" y="1631381"/>
-            <a:ext cx="6391533" cy="3595237"/>
-          </a:xfrm>
-          <a:prstGeom prst="rect">
-            <a:avLst/>
-          </a:prstGeom>
-        </p:spPr>
-      </p:pic>
       <p:sp>
         <p:nvSpPr>
           <p:cNvPr id="16" name="Rectangle 15">
             <a:extLst>
               <a:ext uri="{FF2B5EF4-FFF2-40B4-BE49-F238E27FC236}">
-                <a16:creationId xmlns:a16="http://schemas.microsoft.com/office/drawing/2014/main" id="{9F33B405-D785-4738-B1C0-6A0AA5E98286}"/>
+                <a16:creationId xmlns:a16="http://schemas.microsoft.com/office/drawing/2014/main" xmlns="" id="{9F33B405-D785-4738-B1C0-6A0AA5E98286}"/>
               </a:ext>
               <a:ext uri="{C183D7F6-B498-43B3-948B-1728B52AA6E4}">
-                <adec:decorative xmlns:adec="http://schemas.microsoft.com/office/drawing/2017/decorative" val="1"/>
+                <adec:decorative xmlns:adec="http://schemas.microsoft.com/office/drawing/2017/decorative" xmlns="" val="1"/>
               </a:ext>
             </a:extLst>
           </p:cNvPr>
@@ -14056,7 +14021,7 @@
           <p:nvPr>
             <p:extLst>
               <p:ext uri="{386F3935-93C4-4BCD-93E2-E3B085C9AB24}">
-                <p16:designElem xmlns:p16="http://schemas.microsoft.com/office/powerpoint/2015/main" val="1"/>
+                <p16:designElem xmlns:p16="http://schemas.microsoft.com/office/powerpoint/2015/main" xmlns="" val="1"/>
               </p:ext>
             </p:extLst>
           </p:nvPr>
@@ -14096,10 +14061,10 @@
           <p:cNvPr id="18" name="Oval 17">
             <a:extLst>
               <a:ext uri="{FF2B5EF4-FFF2-40B4-BE49-F238E27FC236}">
-                <a16:creationId xmlns:a16="http://schemas.microsoft.com/office/drawing/2014/main" id="{4233DC0E-DE6C-4FB6-A529-51B162641AB8}"/>
+                <a16:creationId xmlns:a16="http://schemas.microsoft.com/office/drawing/2014/main" xmlns="" id="{4233DC0E-DE6C-4FB6-A529-51B162641AB8}"/>
               </a:ext>
               <a:ext uri="{C183D7F6-B498-43B3-948B-1728B52AA6E4}">
-                <adec:decorative xmlns:adec="http://schemas.microsoft.com/office/drawing/2017/decorative" val="1"/>
+                <adec:decorative xmlns:adec="http://schemas.microsoft.com/office/drawing/2017/decorative" xmlns="" val="1"/>
               </a:ext>
             </a:extLst>
           </p:cNvPr>
@@ -14109,7 +14074,7 @@
           <p:nvPr>
             <p:extLst>
               <p:ext uri="{386F3935-93C4-4BCD-93E2-E3B085C9AB24}">
-                <p16:designElem xmlns:p16="http://schemas.microsoft.com/office/powerpoint/2015/main" val="1"/>
+                <p16:designElem xmlns:p16="http://schemas.microsoft.com/office/powerpoint/2015/main" xmlns="" val="1"/>
               </p:ext>
             </p:extLst>
           </p:nvPr>
@@ -14170,10 +14135,10 @@
           <p:cNvPr id="20" name="Oval 19">
             <a:extLst>
               <a:ext uri="{FF2B5EF4-FFF2-40B4-BE49-F238E27FC236}">
-                <a16:creationId xmlns:a16="http://schemas.microsoft.com/office/drawing/2014/main" id="{3870477F-E451-4BC3-863F-0E2FC572884B}"/>
+                <a16:creationId xmlns:a16="http://schemas.microsoft.com/office/drawing/2014/main" xmlns="" id="{3870477F-E451-4BC3-863F-0E2FC572884B}"/>
               </a:ext>
               <a:ext uri="{C183D7F6-B498-43B3-948B-1728B52AA6E4}">
-                <adec:decorative xmlns:adec="http://schemas.microsoft.com/office/drawing/2017/decorative" val="1"/>
+                <adec:decorative xmlns:adec="http://schemas.microsoft.com/office/drawing/2017/decorative" xmlns="" val="1"/>
               </a:ext>
             </a:extLst>
           </p:cNvPr>
@@ -14183,7 +14148,7 @@
           <p:nvPr>
             <p:extLst>
               <p:ext uri="{386F3935-93C4-4BCD-93E2-E3B085C9AB24}">
-                <p16:designElem xmlns:p16="http://schemas.microsoft.com/office/powerpoint/2015/main" val="1"/>
+                <p16:designElem xmlns:p16="http://schemas.microsoft.com/office/powerpoint/2015/main" xmlns="" val="1"/>
               </p:ext>
             </p:extLst>
           </p:nvPr>
@@ -14244,7 +14209,7 @@
           <p:cNvPr id="3" name="Content Placeholder 2">
             <a:extLst>
               <a:ext uri="{FF2B5EF4-FFF2-40B4-BE49-F238E27FC236}">
-                <a16:creationId xmlns:a16="http://schemas.microsoft.com/office/drawing/2014/main" id="{857F879D-41BA-4C64-B5FC-EC12D62F6F41}"/>
+                <a16:creationId xmlns:a16="http://schemas.microsoft.com/office/drawing/2014/main" xmlns="" id="{857F879D-41BA-4C64-B5FC-EC12D62F6F41}"/>
               </a:ext>
             </a:extLst>
           </p:cNvPr>
@@ -14331,10 +14296,10 @@
           <p:cNvPr id="22" name="Freeform 5">
             <a:extLst>
               <a:ext uri="{FF2B5EF4-FFF2-40B4-BE49-F238E27FC236}">
-                <a16:creationId xmlns:a16="http://schemas.microsoft.com/office/drawing/2014/main" id="{B4A81DE1-E2BC-4A31-99EE-71350421B0EA}"/>
+                <a16:creationId xmlns:a16="http://schemas.microsoft.com/office/drawing/2014/main" xmlns="" id="{B4A81DE1-E2BC-4A31-99EE-71350421B0EA}"/>
               </a:ext>
               <a:ext uri="{C183D7F6-B498-43B3-948B-1728B52AA6E4}">
-                <adec:decorative xmlns:adec="http://schemas.microsoft.com/office/drawing/2017/decorative" val="1"/>
+                <adec:decorative xmlns:adec="http://schemas.microsoft.com/office/drawing/2017/decorative" xmlns="" val="1"/>
               </a:ext>
             </a:extLst>
           </p:cNvPr>
@@ -14344,7 +14309,7 @@
           <p:nvPr>
             <p:extLst>
               <p:ext uri="{386F3935-93C4-4BCD-93E2-E3B085C9AB24}">
-                <p16:designElem xmlns:p16="http://schemas.microsoft.com/office/powerpoint/2015/main" val="1"/>
+                <p16:designElem xmlns:p16="http://schemas.microsoft.com/office/powerpoint/2015/main" xmlns="" val="1"/>
               </p:ext>
             </p:extLst>
           </p:nvPr>
@@ -14490,6 +14455,36 @@
           </a:ln>
         </p:spPr>
       </p:sp>
+      <p:pic>
+        <p:nvPicPr>
+          <p:cNvPr id="8" name="Imagen 7"/>
+          <p:cNvPicPr>
+            <a:picLocks noChangeAspect="1"/>
+          </p:cNvPicPr>
+          <p:nvPr/>
+        </p:nvPicPr>
+        <p:blipFill>
+          <a:blip r:embed="rId2">
+            <a:extLst>
+              <a:ext uri="{28A0092B-C50C-407E-A947-70E740481C1C}">
+                <a14:useLocalDpi xmlns:a14="http://schemas.microsoft.com/office/drawing/2010/main" val="0"/>
+              </a:ext>
+            </a:extLst>
+          </a:blip>
+          <a:stretch>
+            <a:fillRect/>
+          </a:stretch>
+        </p:blipFill>
+        <p:spPr>
+          <a:xfrm>
+            <a:off x="4994055" y="1825499"/>
+            <a:ext cx="6718315" cy="3042715"/>
+          </a:xfrm>
+          <a:prstGeom prst="rect">
+            <a:avLst/>
+          </a:prstGeom>
+        </p:spPr>
+      </p:pic>
     </p:spTree>
     <p:extLst>
       <p:ext uri="{BB962C8B-B14F-4D97-AF65-F5344CB8AC3E}">
@@ -15149,7 +15144,7 @@
           <p:cNvPr id="2" name="Title 1">
             <a:extLst>
               <a:ext uri="{FF2B5EF4-FFF2-40B4-BE49-F238E27FC236}">
-                <a16:creationId xmlns:a16="http://schemas.microsoft.com/office/drawing/2014/main" id="{A96F9335-63F2-46CF-97ED-3CC32318ACDA}"/>
+                <a16:creationId xmlns:a16="http://schemas.microsoft.com/office/drawing/2014/main" xmlns="" id="{A96F9335-63F2-46CF-97ED-3CC32318ACDA}"/>
               </a:ext>
             </a:extLst>
           </p:cNvPr>
@@ -15178,7 +15173,7 @@
           <p:cNvPr id="3" name="Content Placeholder 2">
             <a:extLst>
               <a:ext uri="{FF2B5EF4-FFF2-40B4-BE49-F238E27FC236}">
-                <a16:creationId xmlns:a16="http://schemas.microsoft.com/office/drawing/2014/main" id="{9838165A-3266-41E7-88B5-D4681AB3BE86}"/>
+                <a16:creationId xmlns:a16="http://schemas.microsoft.com/office/drawing/2014/main" xmlns="" id="{9838165A-3266-41E7-88B5-D4681AB3BE86}"/>
               </a:ext>
             </a:extLst>
           </p:cNvPr>
@@ -15189,10 +15184,15 @@
             <p:ph idx="1"/>
           </p:nvPr>
         </p:nvSpPr>
-        <p:spPr/>
+        <p:spPr>
+          <a:xfrm>
+            <a:off x="1451168" y="2150772"/>
+            <a:ext cx="10178455" cy="4707227"/>
+          </a:xfrm>
+        </p:spPr>
         <p:txBody>
           <a:bodyPr>
-            <a:normAutofit fontScale="92500" lnSpcReduction="20000"/>
+            <a:normAutofit lnSpcReduction="10000"/>
           </a:bodyPr>
           <a:lstStyle/>
           <a:p>
@@ -15206,8 +15206,39 @@
               <a:buNone/>
             </a:pPr>
             <a:r>
+              <a:rPr lang="es-MX" dirty="0" smtClean="0"/>
+              <a:t>- Logotipo</a:t>
+            </a:r>
+          </a:p>
+          <a:p>
+            <a:pPr marL="0" indent="0">
+              <a:buNone/>
+            </a:pPr>
+            <a:r>
+              <a:rPr lang="es-MX" dirty="0" smtClean="0"/>
+              <a:t>- Registrar</a:t>
+            </a:r>
+            <a:endParaRPr lang="es-MX" dirty="0"/>
+          </a:p>
+          <a:p>
+            <a:pPr marL="0" indent="0">
+              <a:buNone/>
+            </a:pPr>
+            <a:r>
+              <a:rPr lang="es-MX" dirty="0" smtClean="0"/>
+              <a:t>- Barra </a:t>
+            </a:r>
+            <a:r>
+              <a:rPr lang="es-MX" dirty="0" smtClean="0"/>
+              <a:t> </a:t>
+            </a:r>
+            <a:r>
               <a:rPr lang="es-MX" dirty="0"/>
-              <a:t>-Logotipo</a:t>
+              <a:t>de </a:t>
+            </a:r>
+            <a:r>
+              <a:rPr lang="es-MX" dirty="0" smtClean="0"/>
+              <a:t>navegación</a:t>
             </a:r>
           </a:p>
           <a:p>
@@ -15215,15 +15246,30 @@
               <a:buNone/>
             </a:pPr>
             <a:r>
-              <a:rPr lang="es-MX" dirty="0"/>
-              <a:t>-Menú de navegación</a:t>
-            </a:r>
+              <a:rPr lang="es-MX" dirty="0" smtClean="0"/>
+              <a:t>- </a:t>
+            </a:r>
+            <a:r>
+              <a:rPr lang="es-MX" dirty="0" err="1" smtClean="0"/>
+              <a:t>Delivery</a:t>
+            </a:r>
+            <a:endParaRPr lang="es-MX" dirty="0"/>
           </a:p>
           <a:p>
             <a:r>
               <a:rPr lang="es-MX" dirty="0"/>
               <a:t>Contenido</a:t>
             </a:r>
+          </a:p>
+          <a:p>
+            <a:pPr marL="0" indent="0">
+              <a:buNone/>
+            </a:pPr>
+            <a:r>
+              <a:rPr lang="es-MX" dirty="0" smtClean="0"/>
+              <a:t>-    Carrusel</a:t>
+            </a:r>
+            <a:endParaRPr lang="es-MX" dirty="0"/>
           </a:p>
           <a:p>
             <a:pPr>
@@ -15231,9 +15277,10 @@
               <a:buChar char="-"/>
             </a:pPr>
             <a:r>
-              <a:rPr lang="es-MX" dirty="0"/>
-              <a:t>Productos </a:t>
-            </a:r>
+              <a:rPr lang="es-MX" dirty="0" smtClean="0"/>
+              <a:t>Productos Más vendidos</a:t>
+            </a:r>
+            <a:endParaRPr lang="es-MX" dirty="0"/>
           </a:p>
           <a:p>
             <a:pPr>
@@ -15241,8 +15288,8 @@
               <a:buChar char="-"/>
             </a:pPr>
             <a:r>
-              <a:rPr lang="es-MX" dirty="0"/>
-              <a:t>Contáctanos</a:t>
+              <a:rPr lang="es-MX" dirty="0" smtClean="0"/>
+              <a:t>Productos en promociones</a:t>
             </a:r>
           </a:p>
           <a:p>
@@ -15251,9 +15298,10 @@
               <a:buChar char="-"/>
             </a:pPr>
             <a:r>
-              <a:rPr lang="es-MX" dirty="0"/>
-              <a:t>Promociones</a:t>
-            </a:r>
+              <a:rPr lang="es-MX" dirty="0" smtClean="0"/>
+              <a:t>Valoraciones</a:t>
+            </a:r>
+            <a:endParaRPr lang="es-MX" dirty="0"/>
           </a:p>
           <a:p>
             <a:r>
@@ -15271,18 +15319,13 @@
             </a:pPr>
             <a:r>
               <a:rPr lang="es-PE" dirty="0"/>
-              <a:t>-Información de la empresa</a:t>
-            </a:r>
-          </a:p>
-          <a:p>
-            <a:pPr marL="0" indent="0">
-              <a:buNone/>
-            </a:pPr>
-            <a:r>
-              <a:rPr lang="es-PE" dirty="0"/>
-              <a:t>El sitio web va a separar su lista de productos por cada temática.</a:t>
-            </a:r>
-            <a:endParaRPr lang="es-MX" dirty="0"/>
+              <a:t>-Información de </a:t>
+            </a:r>
+            <a:r>
+              <a:rPr lang="es-PE" dirty="0" smtClean="0"/>
+              <a:t>la Tienda, mi perfil, políticas y libro de reclamaciones.</a:t>
+            </a:r>
+            <a:endParaRPr lang="es-PE" dirty="0"/>
           </a:p>
         </p:txBody>
       </p:sp>
@@ -15321,7 +15364,7 @@
           <p:cNvPr id="2" name="Title 1">
             <a:extLst>
               <a:ext uri="{FF2B5EF4-FFF2-40B4-BE49-F238E27FC236}">
-                <a16:creationId xmlns:a16="http://schemas.microsoft.com/office/drawing/2014/main" id="{AFD55213-9253-485E-A39E-66564D9F756C}"/>
+                <a16:creationId xmlns:a16="http://schemas.microsoft.com/office/drawing/2014/main" xmlns="" id="{AFD55213-9253-485E-A39E-66564D9F756C}"/>
               </a:ext>
             </a:extLst>
           </p:cNvPr>
@@ -15350,7 +15393,7 @@
           <p:cNvPr id="3" name="Content Placeholder 2">
             <a:extLst>
               <a:ext uri="{FF2B5EF4-FFF2-40B4-BE49-F238E27FC236}">
-                <a16:creationId xmlns:a16="http://schemas.microsoft.com/office/drawing/2014/main" id="{4435F93B-0F95-40A9-91B5-7786DE02076D}"/>
+                <a16:creationId xmlns:a16="http://schemas.microsoft.com/office/drawing/2014/main" xmlns="" id="{4435F93B-0F95-40A9-91B5-7786DE02076D}"/>
               </a:ext>
             </a:extLst>
           </p:cNvPr>
@@ -15369,40 +15412,79 @@
         </p:spPr>
         <p:txBody>
           <a:bodyPr>
-            <a:normAutofit lnSpcReduction="10000"/>
+            <a:normAutofit/>
           </a:bodyPr>
           <a:lstStyle/>
           <a:p>
             <a:r>
               <a:rPr lang="es-MX" dirty="0"/>
-              <a:t>Imágenes de referencia(</a:t>
-            </a:r>
-            <a:r>
-              <a:rPr lang="es-MX" dirty="0" err="1"/>
-              <a:t>PagPrincipal</a:t>
-            </a:r>
-            <a:r>
-              <a:rPr lang="es-MX" dirty="0"/>
-              <a:t>-Productos) </a:t>
-            </a:r>
-          </a:p>
-          <a:p>
-            <a:r>
-              <a:rPr lang="es-MX" dirty="0"/>
-              <a:t>Tamaño:</a:t>
-            </a:r>
-            <a:r>
-              <a:rPr lang="de-DE" b="0" i="0" dirty="0">
+              <a:t>Imágenes </a:t>
+            </a:r>
+            <a:r>
+              <a:rPr lang="es-MX" dirty="0" smtClean="0"/>
+              <a:t>de los productos </a:t>
+            </a:r>
+            <a:endParaRPr lang="es-MX" dirty="0"/>
+          </a:p>
+          <a:p>
+            <a:pPr marL="0" indent="0">
+              <a:buNone/>
+            </a:pPr>
+            <a:r>
+              <a:rPr lang="es-MX" dirty="0" smtClean="0"/>
+              <a:t>	Tamaño:</a:t>
+            </a:r>
+            <a:r>
+              <a:rPr lang="de-DE" dirty="0">
+                <a:solidFill>
+                  <a:srgbClr val="222222"/>
+                </a:solidFill>
+                <a:latin typeface="Segoe UI" panose="020B0502040204020203" pitchFamily="34" charset="0"/>
+              </a:rPr>
+              <a:t> </a:t>
+            </a:r>
+            <a:r>
+              <a:rPr lang="de-DE" dirty="0" smtClean="0">
+                <a:solidFill>
+                  <a:srgbClr val="222222"/>
+                </a:solidFill>
+                <a:latin typeface="Segoe UI" panose="020B0502040204020203" pitchFamily="34" charset="0"/>
+              </a:rPr>
+              <a:t>146 x 150</a:t>
+            </a:r>
+            <a:r>
+              <a:rPr lang="de-DE" b="0" i="0" dirty="0" smtClean="0">
                 <a:solidFill>
                   <a:srgbClr val="222222"/>
                 </a:solidFill>
                 <a:effectLst/>
                 <a:latin typeface="Segoe UI" panose="020B0502040204020203" pitchFamily="34" charset="0"/>
               </a:rPr>
-              <a:t>173 × 173 pixels </a:t>
-            </a:r>
-          </a:p>
-          <a:p>
+              <a:t> pixeles </a:t>
+            </a:r>
+            <a:endParaRPr lang="de-DE" b="0" i="0" dirty="0">
+              <a:solidFill>
+                <a:srgbClr val="222222"/>
+              </a:solidFill>
+              <a:effectLst/>
+              <a:latin typeface="Segoe UI" panose="020B0502040204020203" pitchFamily="34" charset="0"/>
+            </a:endParaRPr>
+          </a:p>
+          <a:p>
+            <a:r>
+              <a:rPr lang="de-DE" dirty="0" smtClean="0">
+                <a:solidFill>
+                  <a:srgbClr val="222222"/>
+                </a:solidFill>
+                <a:latin typeface="Segoe UI" panose="020B0502040204020203" pitchFamily="34" charset="0"/>
+              </a:rPr>
+              <a:t>Imágenes cuando ya se aplicó el efecto zoom</a:t>
+            </a:r>
+          </a:p>
+          <a:p>
+            <a:pPr marL="0" indent="0">
+              <a:buNone/>
+            </a:pPr>
             <a:r>
               <a:rPr lang="de-DE" dirty="0">
                 <a:solidFill>
@@ -15410,18 +15492,16 @@
                 </a:solidFill>
                 <a:latin typeface="Segoe UI" panose="020B0502040204020203" pitchFamily="34" charset="0"/>
               </a:rPr>
-              <a:t>Imagenes de referencia(CuadroDeDetalles) es decir cuando ya hiciste click a la opcion de comprar</a:t>
-            </a:r>
-          </a:p>
-          <a:p>
-            <a:r>
-              <a:rPr lang="de-DE" dirty="0">
+              <a:t>	</a:t>
+            </a:r>
+            <a:r>
+              <a:rPr lang="de-DE" dirty="0" smtClean="0">
                 <a:solidFill>
                   <a:srgbClr val="222222"/>
                 </a:solidFill>
                 <a:latin typeface="Segoe UI" panose="020B0502040204020203" pitchFamily="34" charset="0"/>
               </a:rPr>
-              <a:t>Tamaño:527 x 527 pixels</a:t>
+              <a:t>Tamaño:152 x 160 pixeles</a:t>
             </a:r>
             <a:endParaRPr lang="es-PE" dirty="0"/>
           </a:p>
@@ -15462,7 +15542,7 @@
           <p:cNvPr id="2" name="Title 1">
             <a:extLst>
               <a:ext uri="{FF2B5EF4-FFF2-40B4-BE49-F238E27FC236}">
-                <a16:creationId xmlns:a16="http://schemas.microsoft.com/office/drawing/2014/main" id="{7A12EFA0-C9F4-4A0C-BF73-46F1E78B7A4A}"/>
+                <a16:creationId xmlns:a16="http://schemas.microsoft.com/office/drawing/2014/main" xmlns="" id="{7A12EFA0-C9F4-4A0C-BF73-46F1E78B7A4A}"/>
               </a:ext>
             </a:extLst>
           </p:cNvPr>
@@ -15480,7 +15560,11 @@
           <a:p>
             <a:r>
               <a:rPr lang="es-MX" dirty="0"/>
-              <a:t>Estilo Visual</a:t>
+              <a:t>Estilo </a:t>
+            </a:r>
+            <a:r>
+              <a:rPr lang="es-MX" dirty="0" smtClean="0"/>
+              <a:t>Visual (Colores a utilizar)</a:t>
             </a:r>
             <a:endParaRPr lang="es-PE" dirty="0"/>
           </a:p>
@@ -15491,7 +15575,7 @@
           <p:cNvPr id="3" name="Content Placeholder 2">
             <a:extLst>
               <a:ext uri="{FF2B5EF4-FFF2-40B4-BE49-F238E27FC236}">
-                <a16:creationId xmlns:a16="http://schemas.microsoft.com/office/drawing/2014/main" id="{BACF66E3-1D2F-4BFD-8356-C687ADD89DD6}"/>
+                <a16:creationId xmlns:a16="http://schemas.microsoft.com/office/drawing/2014/main" xmlns="" id="{BACF66E3-1D2F-4BFD-8356-C687ADD89DD6}"/>
               </a:ext>
             </a:extLst>
           </p:cNvPr>
@@ -15504,61 +15588,109 @@
         </p:nvSpPr>
         <p:spPr>
           <a:xfrm>
-            <a:off x="486164" y="2421230"/>
-            <a:ext cx="4273685" cy="4351338"/>
+            <a:off x="506729" y="2228045"/>
+            <a:ext cx="4273685" cy="4583161"/>
           </a:xfrm>
         </p:spPr>
         <p:txBody>
           <a:bodyPr>
-            <a:normAutofit/>
+            <a:normAutofit lnSpcReduction="10000"/>
           </a:bodyPr>
           <a:lstStyle/>
           <a:p>
             <a:r>
+              <a:rPr lang="es-MX" dirty="0" smtClean="0"/>
+              <a:t>Iconos: </a:t>
+            </a:r>
+          </a:p>
+          <a:p>
+            <a:r>
+              <a:rPr lang="es-MX" dirty="0" err="1" smtClean="0"/>
+              <a:t>Navbar</a:t>
+            </a:r>
+            <a:r>
+              <a:rPr lang="es-MX" dirty="0" smtClean="0"/>
+              <a:t> color: </a:t>
+            </a:r>
+            <a:endParaRPr lang="es-MX" dirty="0"/>
+          </a:p>
+          <a:p>
+            <a:r>
+              <a:rPr lang="es-MX" dirty="0" smtClean="0"/>
+              <a:t>Selector de los elementos en el </a:t>
+            </a:r>
+            <a:r>
+              <a:rPr lang="es-MX" dirty="0" err="1" smtClean="0"/>
+              <a:t>Navbar</a:t>
+            </a:r>
+            <a:r>
+              <a:rPr lang="es-MX" dirty="0" smtClean="0"/>
+              <a:t>: </a:t>
+            </a:r>
+            <a:endParaRPr lang="es-MX" dirty="0"/>
+          </a:p>
+          <a:p>
+            <a:r>
               <a:rPr lang="es-MX" dirty="0"/>
-              <a:t>Para opciones de navegación: Blanco</a:t>
+              <a:t>Para títulos de productos: </a:t>
             </a:r>
           </a:p>
           <a:p>
             <a:r>
               <a:rPr lang="es-MX" dirty="0"/>
-              <a:t>Navbar:Azul oscuro</a:t>
-            </a:r>
-          </a:p>
-          <a:p>
-            <a:r>
-              <a:rPr lang="es-MX" dirty="0"/>
-              <a:t>Para títulos de productos: Negro</a:t>
-            </a:r>
-          </a:p>
-          <a:p>
-            <a:r>
-              <a:rPr lang="es-MX" dirty="0"/>
-              <a:t>Para pie de pagina: Azul oscuro</a:t>
-            </a:r>
-          </a:p>
-          <a:p>
+              <a:t>Para pie de pagina: </a:t>
+            </a:r>
+          </a:p>
+          <a:p>
+            <a:r>
+              <a:rPr lang="es-PE" dirty="0" smtClean="0"/>
+              <a:t>Botón ver detalles: </a:t>
+            </a:r>
+          </a:p>
+          <a:p>
+            <a:pPr marL="0" indent="0">
+              <a:buNone/>
+            </a:pPr>
+            <a:r>
+              <a:rPr lang="es-PE" dirty="0" smtClean="0"/>
+              <a:t>     (Gradiente) </a:t>
+            </a:r>
+            <a:endParaRPr lang="es-PE" dirty="0"/>
+          </a:p>
+          <a:p>
+            <a:r>
+              <a:rPr lang="es-PE" dirty="0" smtClean="0"/>
+              <a:t>Botón añadir al carrito: </a:t>
+            </a:r>
+          </a:p>
+          <a:p>
+            <a:pPr marL="0" indent="0">
+              <a:buNone/>
+            </a:pPr>
             <a:r>
               <a:rPr lang="es-PE" dirty="0"/>
-              <a:t>Botones de comprar : Morado</a:t>
-            </a:r>
-          </a:p>
-          <a:p>
-            <a:r>
-              <a:rPr lang="es-PE" dirty="0"/>
-              <a:t>Botones de cancelar: Rojo</a:t>
-            </a:r>
-          </a:p>
-          <a:p>
-            <a:r>
-              <a:rPr lang="es-PE" dirty="0"/>
-              <a:t>Botones para agregar a carrito:  Lila </a:t>
-            </a:r>
-          </a:p>
-          <a:p>
-            <a:r>
-              <a:rPr lang="es-PE" dirty="0" err="1"/>
-              <a:t>Fondo:Blanco</a:t>
+              <a:t>	</a:t>
+            </a:r>
+            <a:r>
+              <a:rPr lang="es-PE" dirty="0" smtClean="0"/>
+              <a:t>(Gradiente) </a:t>
+            </a:r>
+            <a:endParaRPr lang="es-PE" dirty="0"/>
+          </a:p>
+          <a:p>
+            <a:r>
+              <a:rPr lang="es-PE" dirty="0" smtClean="0"/>
+              <a:t>Fondo:  White</a:t>
+            </a:r>
+          </a:p>
+          <a:p>
+            <a:r>
+              <a:rPr lang="es-PE" dirty="0" err="1" smtClean="0"/>
+              <a:t>Footer</a:t>
+            </a:r>
+            <a:r>
+              <a:rPr lang="es-PE" dirty="0" smtClean="0"/>
+              <a:t>: </a:t>
             </a:r>
             <a:endParaRPr lang="es-PE" dirty="0"/>
           </a:p>
@@ -15566,34 +15698,358 @@
       </p:sp>
       <p:pic>
         <p:nvPicPr>
-          <p:cNvPr id="5" name="Picture 4" descr="A picture containing drawing&#10;&#10;Description automatically generated">
-            <a:extLst>
-              <a:ext uri="{FF2B5EF4-FFF2-40B4-BE49-F238E27FC236}">
-                <a16:creationId xmlns:a16="http://schemas.microsoft.com/office/drawing/2014/main" id="{63481B55-C8F3-4657-8C4E-F01A85F5FE8D}"/>
-              </a:ext>
-            </a:extLst>
-          </p:cNvPr>
+          <p:cNvPr id="4" name="Imagen 3"/>
           <p:cNvPicPr>
             <a:picLocks noChangeAspect="1"/>
           </p:cNvPicPr>
           <p:nvPr/>
         </p:nvPicPr>
         <p:blipFill>
-          <a:blip r:embed="rId2">
-            <a:extLst>
-              <a:ext uri="{28A0092B-C50C-407E-A947-70E740481C1C}">
-                <a14:useLocalDpi xmlns:a14="http://schemas.microsoft.com/office/drawing/2010/main" val="0"/>
-              </a:ext>
-            </a:extLst>
-          </a:blip>
+          <a:blip r:embed="rId2"/>
           <a:stretch>
             <a:fillRect/>
           </a:stretch>
         </p:blipFill>
         <p:spPr>
           <a:xfrm>
-            <a:off x="5111885" y="1177046"/>
-            <a:ext cx="6005209" cy="4503907"/>
+            <a:off x="5994847" y="2421230"/>
+            <a:ext cx="5583260" cy="885825"/>
+          </a:xfrm>
+          <a:prstGeom prst="rect">
+            <a:avLst/>
+          </a:prstGeom>
+        </p:spPr>
+      </p:pic>
+      <p:pic>
+        <p:nvPicPr>
+          <p:cNvPr id="6" name="Imagen 5"/>
+          <p:cNvPicPr>
+            <a:picLocks noChangeAspect="1"/>
+          </p:cNvPicPr>
+          <p:nvPr/>
+        </p:nvPicPr>
+        <p:blipFill>
+          <a:blip r:embed="rId3"/>
+          <a:stretch>
+            <a:fillRect/>
+          </a:stretch>
+        </p:blipFill>
+        <p:spPr>
+          <a:xfrm>
+            <a:off x="5994847" y="3619028"/>
+            <a:ext cx="4693142" cy="428625"/>
+          </a:xfrm>
+          <a:prstGeom prst="rect">
+            <a:avLst/>
+          </a:prstGeom>
+        </p:spPr>
+      </p:pic>
+      <p:pic>
+        <p:nvPicPr>
+          <p:cNvPr id="7" name="Imagen 6"/>
+          <p:cNvPicPr>
+            <a:picLocks noChangeAspect="1"/>
+          </p:cNvPicPr>
+          <p:nvPr/>
+        </p:nvPicPr>
+        <p:blipFill>
+          <a:blip r:embed="rId4"/>
+          <a:stretch>
+            <a:fillRect/>
+          </a:stretch>
+        </p:blipFill>
+        <p:spPr>
+          <a:xfrm>
+            <a:off x="5994847" y="4158749"/>
+            <a:ext cx="4693142" cy="876300"/>
+          </a:xfrm>
+          <a:prstGeom prst="rect">
+            <a:avLst/>
+          </a:prstGeom>
+        </p:spPr>
+      </p:pic>
+      <p:pic>
+        <p:nvPicPr>
+          <p:cNvPr id="8" name="Imagen 7"/>
+          <p:cNvPicPr>
+            <a:picLocks noChangeAspect="1"/>
+          </p:cNvPicPr>
+          <p:nvPr/>
+        </p:nvPicPr>
+        <p:blipFill>
+          <a:blip r:embed="rId5"/>
+          <a:stretch>
+            <a:fillRect/>
+          </a:stretch>
+        </p:blipFill>
+        <p:spPr>
+          <a:xfrm>
+            <a:off x="2643571" y="2638474"/>
+            <a:ext cx="942975" cy="358604"/>
+          </a:xfrm>
+          <a:prstGeom prst="rect">
+            <a:avLst/>
+          </a:prstGeom>
+        </p:spPr>
+      </p:pic>
+      <p:pic>
+        <p:nvPicPr>
+          <p:cNvPr id="9" name="Imagen 8"/>
+          <p:cNvPicPr>
+            <a:picLocks noChangeAspect="1"/>
+          </p:cNvPicPr>
+          <p:nvPr/>
+        </p:nvPicPr>
+        <p:blipFill>
+          <a:blip r:embed="rId6"/>
+          <a:stretch>
+            <a:fillRect/>
+          </a:stretch>
+        </p:blipFill>
+        <p:spPr>
+          <a:xfrm>
+            <a:off x="1937799" y="3365189"/>
+            <a:ext cx="923925" cy="280520"/>
+          </a:xfrm>
+          <a:prstGeom prst="rect">
+            <a:avLst/>
+          </a:prstGeom>
+        </p:spPr>
+      </p:pic>
+      <p:pic>
+        <p:nvPicPr>
+          <p:cNvPr id="10" name="Imagen 9"/>
+          <p:cNvPicPr>
+            <a:picLocks noChangeAspect="1"/>
+          </p:cNvPicPr>
+          <p:nvPr/>
+        </p:nvPicPr>
+        <p:blipFill>
+          <a:blip r:embed="rId7"/>
+          <a:stretch>
+            <a:fillRect/>
+          </a:stretch>
+        </p:blipFill>
+        <p:spPr>
+          <a:xfrm>
+            <a:off x="1937799" y="2270363"/>
+            <a:ext cx="895350" cy="316447"/>
+          </a:xfrm>
+          <a:prstGeom prst="rect">
+            <a:avLst/>
+          </a:prstGeom>
+        </p:spPr>
+      </p:pic>
+      <p:pic>
+        <p:nvPicPr>
+          <p:cNvPr id="11" name="Imagen 10"/>
+          <p:cNvPicPr>
+            <a:picLocks noChangeAspect="1"/>
+          </p:cNvPicPr>
+          <p:nvPr/>
+        </p:nvPicPr>
+        <p:blipFill>
+          <a:blip r:embed="rId8"/>
+          <a:stretch>
+            <a:fillRect/>
+          </a:stretch>
+        </p:blipFill>
+        <p:spPr>
+          <a:xfrm>
+            <a:off x="3940368" y="3628553"/>
+            <a:ext cx="840045" cy="419100"/>
+          </a:xfrm>
+          <a:prstGeom prst="rect">
+            <a:avLst/>
+          </a:prstGeom>
+        </p:spPr>
+      </p:pic>
+      <p:pic>
+        <p:nvPicPr>
+          <p:cNvPr id="12" name="Imagen 11"/>
+          <p:cNvPicPr>
+            <a:picLocks noChangeAspect="1"/>
+          </p:cNvPicPr>
+          <p:nvPr/>
+        </p:nvPicPr>
+        <p:blipFill>
+          <a:blip r:embed="rId5"/>
+          <a:stretch>
+            <a:fillRect/>
+          </a:stretch>
+        </p:blipFill>
+        <p:spPr>
+          <a:xfrm>
+            <a:off x="3365332" y="4120255"/>
+            <a:ext cx="942975" cy="358604"/>
+          </a:xfrm>
+          <a:prstGeom prst="rect">
+            <a:avLst/>
+          </a:prstGeom>
+        </p:spPr>
+      </p:pic>
+      <p:pic>
+        <p:nvPicPr>
+          <p:cNvPr id="13" name="Imagen 12"/>
+          <p:cNvPicPr>
+            <a:picLocks noChangeAspect="1"/>
+          </p:cNvPicPr>
+          <p:nvPr/>
+        </p:nvPicPr>
+        <p:blipFill>
+          <a:blip r:embed="rId9"/>
+          <a:stretch>
+            <a:fillRect/>
+          </a:stretch>
+        </p:blipFill>
+        <p:spPr>
+          <a:xfrm>
+            <a:off x="6026774" y="5161092"/>
+            <a:ext cx="760391" cy="483885"/>
+          </a:xfrm>
+          <a:prstGeom prst="rect">
+            <a:avLst/>
+          </a:prstGeom>
+        </p:spPr>
+      </p:pic>
+      <p:pic>
+        <p:nvPicPr>
+          <p:cNvPr id="14" name="Imagen 13"/>
+          <p:cNvPicPr>
+            <a:picLocks noChangeAspect="1"/>
+          </p:cNvPicPr>
+          <p:nvPr/>
+        </p:nvPicPr>
+        <p:blipFill>
+          <a:blip r:embed="rId10"/>
+          <a:stretch>
+            <a:fillRect/>
+          </a:stretch>
+        </p:blipFill>
+        <p:spPr>
+          <a:xfrm>
+            <a:off x="6787165" y="5146145"/>
+            <a:ext cx="762806" cy="455407"/>
+          </a:xfrm>
+          <a:prstGeom prst="rect">
+            <a:avLst/>
+          </a:prstGeom>
+        </p:spPr>
+      </p:pic>
+      <p:pic>
+        <p:nvPicPr>
+          <p:cNvPr id="15" name="Imagen 14"/>
+          <p:cNvPicPr>
+            <a:picLocks noChangeAspect="1"/>
+          </p:cNvPicPr>
+          <p:nvPr/>
+        </p:nvPicPr>
+        <p:blipFill>
+          <a:blip r:embed="rId11"/>
+          <a:stretch>
+            <a:fillRect/>
+          </a:stretch>
+        </p:blipFill>
+        <p:spPr>
+          <a:xfrm>
+            <a:off x="2304103" y="4732636"/>
+            <a:ext cx="296993" cy="362991"/>
+          </a:xfrm>
+          <a:prstGeom prst="rect">
+            <a:avLst/>
+          </a:prstGeom>
+        </p:spPr>
+      </p:pic>
+      <p:pic>
+        <p:nvPicPr>
+          <p:cNvPr id="17" name="Imagen 16"/>
+          <p:cNvPicPr>
+            <a:picLocks noChangeAspect="1"/>
+          </p:cNvPicPr>
+          <p:nvPr/>
+        </p:nvPicPr>
+        <p:blipFill>
+          <a:blip r:embed="rId12"/>
+          <a:stretch>
+            <a:fillRect/>
+          </a:stretch>
+        </p:blipFill>
+        <p:spPr>
+          <a:xfrm>
+            <a:off x="2658913" y="4722646"/>
+            <a:ext cx="348471" cy="362991"/>
+          </a:xfrm>
+          <a:prstGeom prst="rect">
+            <a:avLst/>
+          </a:prstGeom>
+        </p:spPr>
+      </p:pic>
+      <p:pic>
+        <p:nvPicPr>
+          <p:cNvPr id="19" name="Imagen 18"/>
+          <p:cNvPicPr>
+            <a:picLocks noChangeAspect="1"/>
+          </p:cNvPicPr>
+          <p:nvPr/>
+        </p:nvPicPr>
+        <p:blipFill>
+          <a:blip r:embed="rId12"/>
+          <a:stretch>
+            <a:fillRect/>
+          </a:stretch>
+        </p:blipFill>
+        <p:spPr>
+          <a:xfrm>
+            <a:off x="2452599" y="5451554"/>
+            <a:ext cx="348471" cy="362991"/>
+          </a:xfrm>
+          <a:prstGeom prst="rect">
+            <a:avLst/>
+          </a:prstGeom>
+        </p:spPr>
+      </p:pic>
+      <p:pic>
+        <p:nvPicPr>
+          <p:cNvPr id="20" name="Imagen 19"/>
+          <p:cNvPicPr>
+            <a:picLocks noChangeAspect="1"/>
+          </p:cNvPicPr>
+          <p:nvPr/>
+        </p:nvPicPr>
+        <p:blipFill>
+          <a:blip r:embed="rId13"/>
+          <a:stretch>
+            <a:fillRect/>
+          </a:stretch>
+        </p:blipFill>
+        <p:spPr>
+          <a:xfrm flipH="1">
+            <a:off x="2871364" y="5463481"/>
+            <a:ext cx="357948" cy="362991"/>
+          </a:xfrm>
+          <a:prstGeom prst="rect">
+            <a:avLst/>
+          </a:prstGeom>
+        </p:spPr>
+      </p:pic>
+      <p:pic>
+        <p:nvPicPr>
+          <p:cNvPr id="22" name="Imagen 21"/>
+          <p:cNvPicPr>
+            <a:picLocks noChangeAspect="1"/>
+          </p:cNvPicPr>
+          <p:nvPr/>
+        </p:nvPicPr>
+        <p:blipFill>
+          <a:blip r:embed="rId5"/>
+          <a:stretch>
+            <a:fillRect/>
+          </a:stretch>
+        </p:blipFill>
+        <p:spPr>
+          <a:xfrm>
+            <a:off x="1832615" y="6182656"/>
+            <a:ext cx="942975" cy="358604"/>
           </a:xfrm>
           <a:prstGeom prst="rect">
             <a:avLst/>
@@ -15635,7 +16091,7 @@
           <p:cNvPr id="2" name="Title 1">
             <a:extLst>
               <a:ext uri="{FF2B5EF4-FFF2-40B4-BE49-F238E27FC236}">
-                <a16:creationId xmlns:a16="http://schemas.microsoft.com/office/drawing/2014/main" id="{7F6477E7-CE8D-4BA8-9047-0A7816C51D58}"/>
+                <a16:creationId xmlns:a16="http://schemas.microsoft.com/office/drawing/2014/main" xmlns="" id="{7F6477E7-CE8D-4BA8-9047-0A7816C51D58}"/>
               </a:ext>
             </a:extLst>
           </p:cNvPr>
@@ -15664,7 +16120,7 @@
           <p:cNvPr id="3" name="Content Placeholder 2">
             <a:extLst>
               <a:ext uri="{FF2B5EF4-FFF2-40B4-BE49-F238E27FC236}">
-                <a16:creationId xmlns:a16="http://schemas.microsoft.com/office/drawing/2014/main" id="{450F6C17-E4E1-47B8-B220-7F085A85B92A}"/>
+                <a16:creationId xmlns:a16="http://schemas.microsoft.com/office/drawing/2014/main" xmlns="" id="{450F6C17-E4E1-47B8-B220-7F085A85B92A}"/>
               </a:ext>
             </a:extLst>
           </p:cNvPr>
@@ -15677,7 +16133,7 @@
         </p:nvSpPr>
         <p:spPr>
           <a:xfrm>
-            <a:off x="838200" y="2608220"/>
+            <a:off x="838200" y="2589150"/>
             <a:ext cx="6737059" cy="4351338"/>
           </a:xfrm>
         </p:spPr>
@@ -15685,136 +16141,92 @@
           <a:bodyPr/>
           <a:lstStyle/>
           <a:p>
+            <a:pPr marL="0" indent="0">
+              <a:buNone/>
+            </a:pPr>
+            <a:r>
+              <a:rPr lang="en-US" sz="2400" dirty="0"/>
+              <a:t>F</a:t>
+            </a:r>
+            <a:r>
+              <a:rPr lang="en-US" sz="2400" dirty="0" smtClean="0"/>
+              <a:t>ont-family </a:t>
+            </a:r>
+            <a:r>
+              <a:rPr lang="en-US" sz="2400" dirty="0"/>
+              <a:t> </a:t>
+            </a:r>
+            <a:r>
+              <a:rPr lang="en-US" sz="2400" dirty="0" smtClean="0"/>
+              <a:t>”Open</a:t>
+            </a:r>
+            <a:r>
+              <a:rPr lang="en-US" sz="2400" dirty="0"/>
+              <a:t> </a:t>
+            </a:r>
+            <a:r>
+              <a:rPr lang="en-US" sz="2400" dirty="0" smtClean="0"/>
+              <a:t>Sans“ </a:t>
+            </a:r>
+            <a:r>
+              <a:rPr lang="en-US" sz="2400" dirty="0"/>
+              <a:t> </a:t>
+            </a:r>
+            <a:r>
+              <a:rPr lang="en-US" sz="2400" i="1" dirty="0"/>
+              <a:t>S</a:t>
+            </a:r>
+            <a:r>
+              <a:rPr lang="en-US" sz="2400" i="1" dirty="0" smtClean="0"/>
+              <a:t>ans-serif</a:t>
+            </a:r>
+            <a:endParaRPr lang="es-MX" sz="2400" dirty="0"/>
+          </a:p>
+          <a:p>
+            <a:pPr marL="0" indent="0">
+              <a:buNone/>
+            </a:pPr>
+            <a:endParaRPr lang="en-US" dirty="0"/>
+          </a:p>
+          <a:p>
+            <a:r>
+              <a:rPr lang="en-US" dirty="0" smtClean="0"/>
+              <a:t>h1</a:t>
+            </a:r>
+            <a:r>
+              <a:rPr lang="en-US" dirty="0"/>
+              <a:t>, h2, h3, h4, h5, h6, input, </a:t>
+            </a:r>
+            <a:r>
+              <a:rPr lang="en-US" dirty="0" err="1"/>
+              <a:t>textarea</a:t>
+            </a:r>
+            <a:r>
+              <a:rPr lang="en-US" dirty="0"/>
+              <a:t>, select, button, p, </a:t>
+            </a:r>
+            <a:r>
+              <a:rPr lang="en-US" dirty="0" smtClean="0"/>
+              <a:t>a</a:t>
+            </a:r>
+          </a:p>
+          <a:p>
+            <a:r>
+              <a:rPr lang="es-MX" dirty="0" smtClean="0"/>
+              <a:t>Estilo </a:t>
+            </a:r>
             <a:r>
               <a:rPr lang="es-MX" dirty="0"/>
-              <a:t>Estilo de fuente para navegación: Sans-</a:t>
-            </a:r>
-            <a:r>
-              <a:rPr lang="es-MX" dirty="0" err="1"/>
-              <a:t>serif</a:t>
-            </a:r>
-            <a:endParaRPr lang="es-MX" dirty="0"/>
+              <a:t>carácter: Mayúscula todo</a:t>
+            </a:r>
           </a:p>
           <a:p>
             <a:r>
               <a:rPr lang="es-MX" dirty="0"/>
-              <a:t>Estilo de fuente para botones: Sans-</a:t>
-            </a:r>
-            <a:r>
-              <a:rPr lang="es-MX" dirty="0" err="1"/>
-              <a:t>serif</a:t>
-            </a:r>
-            <a:endParaRPr lang="es-MX" dirty="0"/>
-          </a:p>
-          <a:p>
-            <a:r>
-              <a:rPr lang="es-MX" dirty="0"/>
-              <a:t>Estilo carácter: Mayúscula todo</a:t>
-            </a:r>
-          </a:p>
-          <a:p>
-            <a:r>
-              <a:rPr lang="es-MX" dirty="0"/>
-              <a:t>Tamaño 13px (Menú de navegación)</a:t>
-            </a:r>
-          </a:p>
-          <a:p>
-            <a:r>
-              <a:rPr lang="es-MX" dirty="0"/>
-              <a:t>Estilo de fuente para texto normal :Sans-</a:t>
-            </a:r>
-            <a:r>
-              <a:rPr lang="es-MX" dirty="0" err="1"/>
-              <a:t>serif</a:t>
-            </a:r>
-            <a:endParaRPr lang="es-MX" dirty="0"/>
-          </a:p>
-          <a:p>
-            <a:r>
-              <a:rPr lang="es-MX" dirty="0"/>
-              <a:t>Tamaño:11px</a:t>
-            </a:r>
-          </a:p>
-          <a:p>
-            <a:pPr marL="0" indent="0">
-              <a:buNone/>
-            </a:pPr>
-            <a:r>
-              <a:rPr lang="es-MX" dirty="0"/>
-              <a:t>Ejemplo:</a:t>
-            </a:r>
-          </a:p>
-          <a:p>
-            <a:endParaRPr lang="es-MX" dirty="0"/>
-          </a:p>
-          <a:p>
-            <a:endParaRPr lang="es-PE" dirty="0"/>
-          </a:p>
-        </p:txBody>
-      </p:sp>
-      <p:pic>
-        <p:nvPicPr>
-          <p:cNvPr id="7" name="Picture 6">
-            <a:extLst>
-              <a:ext uri="{FF2B5EF4-FFF2-40B4-BE49-F238E27FC236}">
-                <a16:creationId xmlns:a16="http://schemas.microsoft.com/office/drawing/2014/main" id="{8172F920-52C4-4496-A20D-3F9B4256743C}"/>
-              </a:ext>
-            </a:extLst>
-          </p:cNvPr>
-          <p:cNvPicPr>
-            <a:picLocks noChangeAspect="1"/>
-          </p:cNvPicPr>
-          <p:nvPr/>
-        </p:nvPicPr>
-        <p:blipFill>
-          <a:blip r:embed="rId2">
-            <a:extLst>
-              <a:ext uri="{28A0092B-C50C-407E-A947-70E740481C1C}">
-                <a14:useLocalDpi xmlns:a14="http://schemas.microsoft.com/office/drawing/2010/main" val="0"/>
-              </a:ext>
-            </a:extLst>
-          </a:blip>
-          <a:stretch>
-            <a:fillRect/>
-          </a:stretch>
-        </p:blipFill>
-        <p:spPr>
-          <a:xfrm>
-            <a:off x="838200" y="5559668"/>
-            <a:ext cx="8194433" cy="484617"/>
-          </a:xfrm>
-          <a:prstGeom prst="rect">
-            <a:avLst/>
-          </a:prstGeom>
-        </p:spPr>
-      </p:pic>
-      <p:sp>
-        <p:nvSpPr>
-          <p:cNvPr id="9" name="TextBox 8">
-            <a:extLst>
-              <a:ext uri="{FF2B5EF4-FFF2-40B4-BE49-F238E27FC236}">
-                <a16:creationId xmlns:a16="http://schemas.microsoft.com/office/drawing/2014/main" id="{568ABCC5-F0F7-4B87-94E0-5327907CA2B4}"/>
-              </a:ext>
-            </a:extLst>
-          </p:cNvPr>
-          <p:cNvSpPr txBox="1"/>
-          <p:nvPr/>
-        </p:nvSpPr>
-        <p:spPr>
-          <a:xfrm>
-            <a:off x="6515936" y="2608220"/>
-            <a:ext cx="2516697" cy="1200329"/>
-          </a:xfrm>
-          <a:prstGeom prst="rect">
-            <a:avLst/>
-          </a:prstGeom>
-          <a:noFill/>
-        </p:spPr>
-        <p:txBody>
-          <a:bodyPr wrap="square" rtlCol="0">
-            <a:spAutoFit/>
-          </a:bodyPr>
-          <a:lstStyle/>
+              <a:t>Tamaño 13px </a:t>
+            </a:r>
+            <a:endParaRPr lang="es-MX" dirty="0" smtClean="0"/>
+          </a:p>
           <a:p>
             <a:r>
               <a:rPr lang="es-MX" dirty="0"/>
@@ -15822,7 +16234,13 @@
             </a:r>
           </a:p>
           <a:p>
-            <a:endParaRPr lang="es-PE" dirty="0"/>
+            <a:endParaRPr lang="es-MX" dirty="0" smtClean="0"/>
+          </a:p>
+          <a:p>
+            <a:pPr marL="0" indent="0">
+              <a:buNone/>
+            </a:pPr>
+            <a:endParaRPr lang="es-MX" dirty="0"/>
           </a:p>
           <a:p>
             <a:endParaRPr lang="es-PE" dirty="0"/>
@@ -15872,7 +16290,7 @@
           <p:cNvPr id="2" name="Title 1">
             <a:extLst>
               <a:ext uri="{FF2B5EF4-FFF2-40B4-BE49-F238E27FC236}">
-                <a16:creationId xmlns:a16="http://schemas.microsoft.com/office/drawing/2014/main" id="{A19724BF-C14E-43BE-B4D1-9ED858949FE9}"/>
+                <a16:creationId xmlns:a16="http://schemas.microsoft.com/office/drawing/2014/main" xmlns="" id="{A19724BF-C14E-43BE-B4D1-9ED858949FE9}"/>
               </a:ext>
             </a:extLst>
           </p:cNvPr>
@@ -15916,7 +16334,7 @@
           <p:cNvPr id="3" name="Content Placeholder 2">
             <a:extLst>
               <a:ext uri="{FF2B5EF4-FFF2-40B4-BE49-F238E27FC236}">
-                <a16:creationId xmlns:a16="http://schemas.microsoft.com/office/drawing/2014/main" id="{0B63EDA2-E900-41A5-B67B-9383419274AB}"/>
+                <a16:creationId xmlns:a16="http://schemas.microsoft.com/office/drawing/2014/main" xmlns="" id="{0B63EDA2-E900-41A5-B67B-9383419274AB}"/>
               </a:ext>
             </a:extLst>
           </p:cNvPr>
@@ -15941,14 +16359,40 @@
           <a:p>
             <a:r>
               <a:rPr lang="es-MX" sz="1600" dirty="0"/>
-              <a:t>Banners de Promoción</a:t>
-            </a:r>
+              <a:t>Banners de </a:t>
+            </a:r>
+            <a:r>
+              <a:rPr lang="es-MX" sz="1600" dirty="0" smtClean="0"/>
+              <a:t>Publicidad de la tienda</a:t>
+            </a:r>
+            <a:endParaRPr lang="es-MX" sz="1600" dirty="0"/>
           </a:p>
           <a:p>
             <a:r>
               <a:rPr lang="es-MX" sz="1600" dirty="0"/>
-              <a:t>Banners de portada: 717 x 300 pixeles</a:t>
-            </a:r>
+              <a:t>Banners de portada: </a:t>
+            </a:r>
+            <a:r>
+              <a:rPr lang="es-MX" sz="1600" dirty="0" smtClean="0"/>
+              <a:t>1709</a:t>
+            </a:r>
+            <a:r>
+              <a:rPr lang="es-MX" sz="1600" dirty="0" smtClean="0"/>
+              <a:t> </a:t>
+            </a:r>
+            <a:r>
+              <a:rPr lang="es-MX" sz="1600" dirty="0"/>
+              <a:t>x </a:t>
+            </a:r>
+            <a:r>
+              <a:rPr lang="es-MX" sz="1600" dirty="0" smtClean="0"/>
+              <a:t>651 </a:t>
+            </a:r>
+            <a:r>
+              <a:rPr lang="es-MX" sz="1600" dirty="0" smtClean="0"/>
+              <a:t>pixeles</a:t>
+            </a:r>
+            <a:endParaRPr lang="es-MX" sz="1600" dirty="0"/>
           </a:p>
           <a:p>
             <a:pPr marL="0" indent="0">
@@ -15990,7 +16434,7 @@
           <p:cNvPr id="5" name="Picture 4">
             <a:extLst>
               <a:ext uri="{FF2B5EF4-FFF2-40B4-BE49-F238E27FC236}">
-                <a16:creationId xmlns:a16="http://schemas.microsoft.com/office/drawing/2014/main" id="{7610E08D-B45F-4603-AEDD-8DCCFAA1A3DE}"/>
+                <a16:creationId xmlns:a16="http://schemas.microsoft.com/office/drawing/2014/main" xmlns="" id="{7610E08D-B45F-4603-AEDD-8DCCFAA1A3DE}"/>
               </a:ext>
             </a:extLst>
           </p:cNvPr>
@@ -16059,7 +16503,7 @@
           <p:cNvPr id="2" name="Title 1">
             <a:extLst>
               <a:ext uri="{FF2B5EF4-FFF2-40B4-BE49-F238E27FC236}">
-                <a16:creationId xmlns:a16="http://schemas.microsoft.com/office/drawing/2014/main" id="{78694F38-14E4-49A3-BD93-AC6088A1267F}"/>
+                <a16:creationId xmlns:a16="http://schemas.microsoft.com/office/drawing/2014/main" xmlns="" id="{78694F38-14E4-49A3-BD93-AC6088A1267F}"/>
               </a:ext>
             </a:extLst>
           </p:cNvPr>
@@ -16088,7 +16532,7 @@
           <p:cNvPr id="3" name="Content Placeholder 2">
             <a:extLst>
               <a:ext uri="{FF2B5EF4-FFF2-40B4-BE49-F238E27FC236}">
-                <a16:creationId xmlns:a16="http://schemas.microsoft.com/office/drawing/2014/main" id="{55A06082-588A-4552-A121-D5B3F20CB301}"/>
+                <a16:creationId xmlns:a16="http://schemas.microsoft.com/office/drawing/2014/main" xmlns="" id="{55A06082-588A-4552-A121-D5B3F20CB301}"/>
               </a:ext>
             </a:extLst>
           </p:cNvPr>
@@ -16172,9 +16616,18 @@
           </a:p>
           <a:p>
             <a:r>
-              <a:rPr lang="es-MX" dirty="0"/>
-              <a:t>Favoritos</a:t>
-            </a:r>
+              <a:rPr lang="es-MX" dirty="0" smtClean="0"/>
+              <a:t>Favoritos, ubicación, </a:t>
+            </a:r>
+            <a:r>
+              <a:rPr lang="es-MX" dirty="0" err="1" smtClean="0"/>
+              <a:t>user</a:t>
+            </a:r>
+            <a:r>
+              <a:rPr lang="es-MX" dirty="0" smtClean="0"/>
+              <a:t>, etc.</a:t>
+            </a:r>
+            <a:endParaRPr lang="es-MX" dirty="0"/>
           </a:p>
           <a:p>
             <a:pPr marL="0" indent="0">
@@ -16208,7 +16661,7 @@
           <p:cNvPr id="7" name="Picture 6">
             <a:extLst>
               <a:ext uri="{FF2B5EF4-FFF2-40B4-BE49-F238E27FC236}">
-                <a16:creationId xmlns:a16="http://schemas.microsoft.com/office/drawing/2014/main" id="{894A9E25-6806-46D6-88F5-021A59E49A46}"/>
+                <a16:creationId xmlns:a16="http://schemas.microsoft.com/office/drawing/2014/main" xmlns="" id="{894A9E25-6806-46D6-88F5-021A59E49A46}"/>
               </a:ext>
             </a:extLst>
           </p:cNvPr>
@@ -16268,7 +16721,7 @@
           <p:cNvPr id="9" name="Picture 8">
             <a:extLst>
               <a:ext uri="{FF2B5EF4-FFF2-40B4-BE49-F238E27FC236}">
-                <a16:creationId xmlns:a16="http://schemas.microsoft.com/office/drawing/2014/main" id="{E451B529-6F29-4099-BDE3-C10CEEAA4639}"/>
+                <a16:creationId xmlns:a16="http://schemas.microsoft.com/office/drawing/2014/main" xmlns="" id="{E451B529-6F29-4099-BDE3-C10CEEAA4639}"/>
               </a:ext>
             </a:extLst>
           </p:cNvPr>
@@ -16328,7 +16781,7 @@
           <p:cNvPr id="11" name="Picture 10">
             <a:extLst>
               <a:ext uri="{FF2B5EF4-FFF2-40B4-BE49-F238E27FC236}">
-                <a16:creationId xmlns:a16="http://schemas.microsoft.com/office/drawing/2014/main" id="{B3A1F91F-4EAA-415D-9BA4-0D27E5011858}"/>
+                <a16:creationId xmlns:a16="http://schemas.microsoft.com/office/drawing/2014/main" xmlns="" id="{B3A1F91F-4EAA-415D-9BA4-0D27E5011858}"/>
               </a:ext>
             </a:extLst>
           </p:cNvPr>
@@ -16388,7 +16841,7 @@
           <p:cNvPr id="13" name="Picture 12">
             <a:extLst>
               <a:ext uri="{FF2B5EF4-FFF2-40B4-BE49-F238E27FC236}">
-                <a16:creationId xmlns:a16="http://schemas.microsoft.com/office/drawing/2014/main" id="{9E9A8AD4-99B8-4675-A8A1-422AFAF0D71B}"/>
+                <a16:creationId xmlns:a16="http://schemas.microsoft.com/office/drawing/2014/main" xmlns="" id="{9E9A8AD4-99B8-4675-A8A1-422AFAF0D71B}"/>
               </a:ext>
             </a:extLst>
           </p:cNvPr>
@@ -16448,7 +16901,7 @@
           <p:cNvPr id="15" name="Picture 14">
             <a:extLst>
               <a:ext uri="{FF2B5EF4-FFF2-40B4-BE49-F238E27FC236}">
-                <a16:creationId xmlns:a16="http://schemas.microsoft.com/office/drawing/2014/main" id="{7394A94B-3739-4D6F-9F58-A22C5BDFD1B5}"/>
+                <a16:creationId xmlns:a16="http://schemas.microsoft.com/office/drawing/2014/main" xmlns="" id="{7394A94B-3739-4D6F-9F58-A22C5BDFD1B5}"/>
               </a:ext>
             </a:extLst>
           </p:cNvPr>
@@ -16508,7 +16961,7 @@
           <p:cNvPr id="17" name="Picture 16">
             <a:extLst>
               <a:ext uri="{FF2B5EF4-FFF2-40B4-BE49-F238E27FC236}">
-                <a16:creationId xmlns:a16="http://schemas.microsoft.com/office/drawing/2014/main" id="{35AD76B6-A1D7-403B-B05D-A8694B57AC87}"/>
+                <a16:creationId xmlns:a16="http://schemas.microsoft.com/office/drawing/2014/main" xmlns="" id="{35AD76B6-A1D7-403B-B05D-A8694B57AC87}"/>
               </a:ext>
             </a:extLst>
           </p:cNvPr>
@@ -16568,7 +17021,7 @@
           <p:cNvPr id="19" name="Picture 18">
             <a:extLst>
               <a:ext uri="{FF2B5EF4-FFF2-40B4-BE49-F238E27FC236}">
-                <a16:creationId xmlns:a16="http://schemas.microsoft.com/office/drawing/2014/main" id="{EBDEB114-EB8C-4C89-99C9-A61CC0750986}"/>
+                <a16:creationId xmlns:a16="http://schemas.microsoft.com/office/drawing/2014/main" xmlns="" id="{EBDEB114-EB8C-4C89-99C9-A61CC0750986}"/>
               </a:ext>
             </a:extLst>
           </p:cNvPr>
@@ -16628,7 +17081,7 @@
           <p:cNvPr id="21" name="Picture 20">
             <a:extLst>
               <a:ext uri="{FF2B5EF4-FFF2-40B4-BE49-F238E27FC236}">
-                <a16:creationId xmlns:a16="http://schemas.microsoft.com/office/drawing/2014/main" id="{25FFE9C0-C09E-40DF-828F-B02411402289}"/>
+                <a16:creationId xmlns:a16="http://schemas.microsoft.com/office/drawing/2014/main" xmlns="" id="{25FFE9C0-C09E-40DF-828F-B02411402289}"/>
               </a:ext>
             </a:extLst>
           </p:cNvPr>
@@ -16688,7 +17141,7 @@
           <p:cNvPr id="23" name="Picture 22">
             <a:extLst>
               <a:ext uri="{FF2B5EF4-FFF2-40B4-BE49-F238E27FC236}">
-                <a16:creationId xmlns:a16="http://schemas.microsoft.com/office/drawing/2014/main" id="{CEE5DF6B-BD64-45F8-B230-DF9FFFDBB617}"/>
+                <a16:creationId xmlns:a16="http://schemas.microsoft.com/office/drawing/2014/main" xmlns="" id="{CEE5DF6B-BD64-45F8-B230-DF9FFFDBB617}"/>
               </a:ext>
             </a:extLst>
           </p:cNvPr>
@@ -16748,7 +17201,7 @@
           <p:cNvPr id="27" name="Picture 26">
             <a:extLst>
               <a:ext uri="{FF2B5EF4-FFF2-40B4-BE49-F238E27FC236}">
-                <a16:creationId xmlns:a16="http://schemas.microsoft.com/office/drawing/2014/main" id="{2070079D-2059-443C-8AF3-7241C185E1D3}"/>
+                <a16:creationId xmlns:a16="http://schemas.microsoft.com/office/drawing/2014/main" xmlns="" id="{2070079D-2059-443C-8AF3-7241C185E1D3}"/>
               </a:ext>
             </a:extLst>
           </p:cNvPr>
@@ -16808,7 +17261,7 @@
           <p:cNvPr id="29" name="Picture 28">
             <a:extLst>
               <a:ext uri="{FF2B5EF4-FFF2-40B4-BE49-F238E27FC236}">
-                <a16:creationId xmlns:a16="http://schemas.microsoft.com/office/drawing/2014/main" id="{BB7310D6-E515-463B-81C9-BE9086597491}"/>
+                <a16:creationId xmlns:a16="http://schemas.microsoft.com/office/drawing/2014/main" xmlns="" id="{BB7310D6-E515-463B-81C9-BE9086597491}"/>
               </a:ext>
             </a:extLst>
           </p:cNvPr>
@@ -16838,7 +17291,7 @@
           <p:cNvPr id="31" name="Picture 30">
             <a:extLst>
               <a:ext uri="{FF2B5EF4-FFF2-40B4-BE49-F238E27FC236}">
-                <a16:creationId xmlns:a16="http://schemas.microsoft.com/office/drawing/2014/main" id="{5A04678F-EAC1-47BC-AB89-1039A3B9360C}"/>
+                <a16:creationId xmlns:a16="http://schemas.microsoft.com/office/drawing/2014/main" xmlns="" id="{5A04678F-EAC1-47BC-AB89-1039A3B9360C}"/>
               </a:ext>
             </a:extLst>
           </p:cNvPr>
@@ -16868,7 +17321,7 @@
           <p:cNvPr id="33" name="Picture 32">
             <a:extLst>
               <a:ext uri="{FF2B5EF4-FFF2-40B4-BE49-F238E27FC236}">
-                <a16:creationId xmlns:a16="http://schemas.microsoft.com/office/drawing/2014/main" id="{3E74683E-3E41-4DDC-8363-2534C5FDFB18}"/>
+                <a16:creationId xmlns:a16="http://schemas.microsoft.com/office/drawing/2014/main" xmlns="" id="{3E74683E-3E41-4DDC-8363-2534C5FDFB18}"/>
               </a:ext>
             </a:extLst>
           </p:cNvPr>
@@ -16887,6 +17340,30 @@
           <a:xfrm>
             <a:off x="8104413" y="5158177"/>
             <a:ext cx="658220" cy="543747"/>
+          </a:xfrm>
+          <a:prstGeom prst="rect">
+            <a:avLst/>
+          </a:prstGeom>
+        </p:spPr>
+      </p:pic>
+      <p:pic>
+        <p:nvPicPr>
+          <p:cNvPr id="4" name="Imagen 3"/>
+          <p:cNvPicPr>
+            <a:picLocks noChangeAspect="1"/>
+          </p:cNvPicPr>
+          <p:nvPr/>
+        </p:nvPicPr>
+        <p:blipFill>
+          <a:blip r:embed="rId15"/>
+          <a:stretch>
+            <a:fillRect/>
+          </a:stretch>
+        </p:blipFill>
+        <p:spPr>
+          <a:xfrm>
+            <a:off x="8145086" y="6022562"/>
+            <a:ext cx="440003" cy="460956"/>
           </a:xfrm>
           <a:prstGeom prst="rect">
             <a:avLst/>
@@ -16936,7 +17413,7 @@
           <p:cNvPr id="2" name="Title 1">
             <a:extLst>
               <a:ext uri="{FF2B5EF4-FFF2-40B4-BE49-F238E27FC236}">
-                <a16:creationId xmlns:a16="http://schemas.microsoft.com/office/drawing/2014/main" id="{6AE1F675-FB34-4038-9959-F207658357EE}"/>
+                <a16:creationId xmlns:a16="http://schemas.microsoft.com/office/drawing/2014/main" xmlns="" id="{6AE1F675-FB34-4038-9959-F207658357EE}"/>
               </a:ext>
             </a:extLst>
           </p:cNvPr>
@@ -16972,7 +17449,7 @@
           <p:cNvPr id="3" name="Content Placeholder 2">
             <a:extLst>
               <a:ext uri="{FF2B5EF4-FFF2-40B4-BE49-F238E27FC236}">
-                <a16:creationId xmlns:a16="http://schemas.microsoft.com/office/drawing/2014/main" id="{37A5D55E-67DC-4278-8A34-287CB9F7D40D}"/>
+                <a16:creationId xmlns:a16="http://schemas.microsoft.com/office/drawing/2014/main" xmlns="" id="{37A5D55E-67DC-4278-8A34-287CB9F7D40D}"/>
               </a:ext>
             </a:extLst>
           </p:cNvPr>
@@ -16985,8 +17462,8 @@
         </p:nvSpPr>
         <p:spPr>
           <a:xfrm>
-            <a:off x="1154955" y="2603499"/>
-            <a:ext cx="3481054" cy="3846461"/>
+            <a:off x="1154955" y="2228045"/>
+            <a:ext cx="3481054" cy="4391696"/>
           </a:xfrm>
         </p:spPr>
         <p:txBody>
@@ -17001,7 +17478,7 @@
               </a:lnSpc>
             </a:pPr>
             <a:r>
-              <a:rPr lang="es-MX" sz="1000" dirty="0"/>
+              <a:rPr lang="es-MX" sz="1400" dirty="0"/>
               <a:t>Por cada fila va tener tres columnas, en esas 3 columnas se va a visualizar 3 productos</a:t>
             </a:r>
           </a:p>
@@ -17012,7 +17489,7 @@
               </a:lnSpc>
             </a:pPr>
             <a:r>
-              <a:rPr lang="es-MX" sz="1000" dirty="0"/>
+              <a:rPr lang="es-MX" sz="1400" dirty="0"/>
               <a:t>El producto va a tener:</a:t>
             </a:r>
           </a:p>
@@ -17023,7 +17500,7 @@
               </a:lnSpc>
             </a:pPr>
             <a:r>
-              <a:rPr lang="es-MX" sz="1000" dirty="0"/>
+              <a:rPr lang="es-MX" sz="1400" dirty="0"/>
               <a:t>Su Imagen</a:t>
             </a:r>
           </a:p>
@@ -17034,7 +17511,7 @@
               </a:lnSpc>
             </a:pPr>
             <a:r>
-              <a:rPr lang="es-MX" sz="1000" dirty="0"/>
+              <a:rPr lang="es-MX" sz="1400" dirty="0"/>
               <a:t>Su titulo</a:t>
             </a:r>
           </a:p>
@@ -17045,7 +17522,7 @@
               </a:lnSpc>
             </a:pPr>
             <a:r>
-              <a:rPr lang="es-MX" sz="1000" dirty="0"/>
+              <a:rPr lang="es-MX" sz="1400" dirty="0"/>
               <a:t>Su descripción</a:t>
             </a:r>
           </a:p>
@@ -17056,7 +17533,7 @@
               </a:lnSpc>
             </a:pPr>
             <a:r>
-              <a:rPr lang="es-MX" sz="1000" dirty="0"/>
+              <a:rPr lang="es-MX" sz="1400" dirty="0"/>
               <a:t>Su precio</a:t>
             </a:r>
           </a:p>
@@ -17067,22 +17544,10 @@
               </a:lnSpc>
             </a:pPr>
             <a:r>
-              <a:rPr lang="es-MX" sz="1000" dirty="0"/>
-              <a:t>Su valoración</a:t>
-            </a:r>
-          </a:p>
-          <a:p>
-            <a:pPr marL="0" indent="0">
-              <a:lnSpc>
-                <a:spcPct val="90000"/>
-              </a:lnSpc>
-              <a:buNone/>
-            </a:pPr>
-            <a:r>
-              <a:rPr lang="es-MX" sz="1000" dirty="0"/>
-              <a:t> Botones para el producto</a:t>
-            </a:r>
-            <a:endParaRPr lang="es-PE" sz="1000" dirty="0"/>
+              <a:rPr lang="es-MX" sz="1400" dirty="0" smtClean="0"/>
+              <a:t>Botón ver detalles</a:t>
+            </a:r>
+            <a:endParaRPr lang="es-MX" sz="1400" dirty="0"/>
           </a:p>
           <a:p>
             <a:pPr>
@@ -17091,9 +17556,10 @@
               </a:lnSpc>
             </a:pPr>
             <a:r>
-              <a:rPr lang="es-MX" sz="1000" dirty="0"/>
-              <a:t>Añadir al carrito</a:t>
-            </a:r>
+              <a:rPr lang="es-MX" sz="1400" dirty="0" smtClean="0"/>
+              <a:t>Botón  añadir al carrito</a:t>
+            </a:r>
+            <a:endParaRPr lang="es-MX" sz="1400" dirty="0"/>
           </a:p>
           <a:p>
             <a:pPr>
@@ -17102,31 +17568,14 @@
               </a:lnSpc>
             </a:pPr>
             <a:r>
-              <a:rPr lang="es-MX" sz="1000" dirty="0"/>
-              <a:t>Comprar </a:t>
-            </a:r>
-          </a:p>
-          <a:p>
-            <a:pPr>
-              <a:lnSpc>
-                <a:spcPct val="90000"/>
-              </a:lnSpc>
-            </a:pPr>
-            <a:r>
-              <a:rPr lang="es-MX" sz="1000" dirty="0"/>
-              <a:t>Añadir a favoritos</a:t>
-            </a:r>
-          </a:p>
-          <a:p>
-            <a:pPr>
-              <a:lnSpc>
-                <a:spcPct val="90000"/>
-              </a:lnSpc>
-            </a:pPr>
-            <a:r>
-              <a:rPr lang="es-MX" sz="1000" dirty="0"/>
-              <a:t>Cancelar</a:t>
-            </a:r>
+              <a:rPr lang="es-MX" sz="1400" dirty="0"/>
+              <a:t>Añadir a </a:t>
+            </a:r>
+            <a:r>
+              <a:rPr lang="es-MX" sz="1400" dirty="0" smtClean="0"/>
+              <a:t>favoritos</a:t>
+            </a:r>
+            <a:endParaRPr lang="es-MX" sz="1400" dirty="0"/>
           </a:p>
         </p:txBody>
       </p:sp>
@@ -17135,7 +17584,7 @@
           <p:cNvPr id="5" name="Picture 4">
             <a:extLst>
               <a:ext uri="{FF2B5EF4-FFF2-40B4-BE49-F238E27FC236}">
-                <a16:creationId xmlns:a16="http://schemas.microsoft.com/office/drawing/2014/main" id="{3527BAFF-B8D9-4C73-B13D-1DAFC41E9395}"/>
+                <a16:creationId xmlns:a16="http://schemas.microsoft.com/office/drawing/2014/main" xmlns="" id="{3527BAFF-B8D9-4C73-B13D-1DAFC41E9395}"/>
               </a:ext>
             </a:extLst>
           </p:cNvPr>
@@ -17203,7 +17652,7 @@
           <p:cNvPr id="2" name="Title 1">
             <a:extLst>
               <a:ext uri="{FF2B5EF4-FFF2-40B4-BE49-F238E27FC236}">
-                <a16:creationId xmlns:a16="http://schemas.microsoft.com/office/drawing/2014/main" id="{349005F6-4281-4244-811F-922AAA2ACCF6}"/>
+                <a16:creationId xmlns:a16="http://schemas.microsoft.com/office/drawing/2014/main" xmlns="" id="{349005F6-4281-4244-811F-922AAA2ACCF6}"/>
               </a:ext>
             </a:extLst>
           </p:cNvPr>
